--- a/data/cyprich_AP_2024_zadanie3_polyn_regr.pptx
+++ b/data/cyprich_AP_2024_zadanie3_polyn_regr.pptx
@@ -135,7 +135,7 @@
 <file path=ppt/revisionInfo.xml><?xml version="1.0" encoding="utf-8"?>
 <p1510:revInfo xmlns:a="http://schemas.openxmlformats.org/drawingml/2006/main" xmlns:r="http://schemas.openxmlformats.org/officeDocument/2006/relationships" xmlns:p1510="http://schemas.microsoft.com/office/powerpoint/2015/10/main">
   <p1510:revLst>
-    <p1510:client id="{42F53ACF-DBEB-4543-97C3-7837ADE32E3A}" v="972" dt="2024-11-01T20:45:11.756"/>
+    <p1510:client id="{42F53ACF-DBEB-4543-97C3-7837ADE32E3A}" v="973" dt="2024-11-02T19:12:20.863"/>
   </p1510:revLst>
 </p1510:revInfo>
 </file>
@@ -145,7 +145,7 @@
   <pc:docChgLst>
     <pc:chgData name="STUD - Peter Cyprich" userId="098f3bb1-c630-41a5-a724-4a8437abd012" providerId="ADAL" clId="{42F53ACF-DBEB-4543-97C3-7837ADE32E3A}"/>
     <pc:docChg chg="undo custSel addSld delSld modSld sldOrd">
-      <pc:chgData name="STUD - Peter Cyprich" userId="098f3bb1-c630-41a5-a724-4a8437abd012" providerId="ADAL" clId="{42F53ACF-DBEB-4543-97C3-7837ADE32E3A}" dt="2024-11-01T21:07:46.264" v="2840" actId="20577"/>
+      <pc:chgData name="STUD - Peter Cyprich" userId="098f3bb1-c630-41a5-a724-4a8437abd012" providerId="ADAL" clId="{42F53ACF-DBEB-4543-97C3-7837ADE32E3A}" dt="2024-11-02T19:12:20.862" v="2841" actId="14826"/>
       <pc:docMkLst>
         <pc:docMk/>
       </pc:docMkLst>
@@ -788,12 +788,20 @@
           </ac:picMkLst>
         </pc:picChg>
       </pc:sldChg>
-      <pc:sldChg chg="add">
-        <pc:chgData name="STUD - Peter Cyprich" userId="098f3bb1-c630-41a5-a724-4a8437abd012" providerId="ADAL" clId="{42F53ACF-DBEB-4543-97C3-7837ADE32E3A}" dt="2024-11-01T19:14:29.212" v="1529" actId="2890"/>
+      <pc:sldChg chg="modSp add">
+        <pc:chgData name="STUD - Peter Cyprich" userId="098f3bb1-c630-41a5-a724-4a8437abd012" providerId="ADAL" clId="{42F53ACF-DBEB-4543-97C3-7837ADE32E3A}" dt="2024-11-02T19:12:20.862" v="2841" actId="14826"/>
         <pc:sldMkLst>
           <pc:docMk/>
           <pc:sldMk cId="2849811255" sldId="275"/>
         </pc:sldMkLst>
+        <pc:picChg chg="mod">
+          <ac:chgData name="STUD - Peter Cyprich" userId="098f3bb1-c630-41a5-a724-4a8437abd012" providerId="ADAL" clId="{42F53ACF-DBEB-4543-97C3-7837ADE32E3A}" dt="2024-11-02T19:12:20.862" v="2841" actId="14826"/>
+          <ac:picMkLst>
+            <pc:docMk/>
+            <pc:sldMk cId="2849811255" sldId="275"/>
+            <ac:picMk id="13" creationId="{B90750E5-015D-A7A7-D2FC-71D05F0EC0DA}"/>
+          </ac:picMkLst>
+        </pc:picChg>
       </pc:sldChg>
       <pc:sldChg chg="modSp add mod ord">
         <pc:chgData name="STUD - Peter Cyprich" userId="098f3bb1-c630-41a5-a724-4a8437abd012" providerId="ADAL" clId="{42F53ACF-DBEB-4543-97C3-7837ADE32E3A}" dt="2024-11-01T19:47:42.057" v="1942" actId="403"/>
@@ -1202,7 +1210,7 @@
           <a:p>
             <a:fld id="{C128FA71-3A18-48C0-980F-4B68F7F63042}" type="datetime1">
               <a:rPr lang="en-US" smtClean="0"/>
-              <a:t>11/1/2024</a:t>
+              <a:t>11/2/2024</a:t>
             </a:fld>
             <a:endParaRPr lang="en-US" dirty="0"/>
           </a:p>
@@ -1410,7 +1418,7 @@
           <a:p>
             <a:fld id="{7104EDB3-C0E8-45F8-9E1D-1B6C8D1880C0}" type="datetime1">
               <a:rPr lang="en-US" smtClean="0"/>
-              <a:t>11/1/2024</a:t>
+              <a:t>11/2/2024</a:t>
             </a:fld>
             <a:endParaRPr lang="en-US" dirty="0"/>
           </a:p>
@@ -1620,7 +1628,7 @@
           <a:p>
             <a:fld id="{9CF0EC4B-54ED-4041-B552-9BA760FA3DBA}" type="datetime1">
               <a:rPr lang="en-US" smtClean="0"/>
-              <a:t>11/1/2024</a:t>
+              <a:t>11/2/2024</a:t>
             </a:fld>
             <a:endParaRPr lang="en-US" dirty="0"/>
           </a:p>
@@ -1818,7 +1826,7 @@
           <a:p>
             <a:fld id="{51C1210E-201E-4473-82AC-2466F5386C38}" type="datetime1">
               <a:rPr lang="en-US" smtClean="0"/>
-              <a:t>11/1/2024</a:t>
+              <a:t>11/2/2024</a:t>
             </a:fld>
             <a:endParaRPr lang="en-US" dirty="0"/>
           </a:p>
@@ -2096,7 +2104,7 @@
           <a:p>
             <a:fld id="{B01EA198-6CAB-4B8F-B93F-1F9C8C4B6CE7}" type="datetime1">
               <a:rPr lang="en-US" smtClean="0"/>
-              <a:t>11/1/2024</a:t>
+              <a:t>11/2/2024</a:t>
             </a:fld>
             <a:endParaRPr lang="en-US" dirty="0"/>
           </a:p>
@@ -2368,7 +2376,7 @@
           <a:p>
             <a:fld id="{CA06041F-4525-44D5-AA4F-332294BF1F56}" type="datetime1">
               <a:rPr lang="en-US" smtClean="0"/>
-              <a:t>11/1/2024</a:t>
+              <a:t>11/2/2024</a:t>
             </a:fld>
             <a:endParaRPr lang="en-US" dirty="0"/>
           </a:p>
@@ -2792,7 +2800,7 @@
           <a:p>
             <a:fld id="{F9557091-BBDF-4EB9-BA6B-2BB67AC4FC0F}" type="datetime1">
               <a:rPr lang="en-US" smtClean="0"/>
-              <a:t>11/1/2024</a:t>
+              <a:t>11/2/2024</a:t>
             </a:fld>
             <a:endParaRPr lang="en-US" dirty="0"/>
           </a:p>
@@ -2933,7 +2941,7 @@
           <a:p>
             <a:fld id="{2D6B226B-77A6-410C-9796-083F278E0125}" type="datetime1">
               <a:rPr lang="en-US" smtClean="0"/>
-              <a:t>11/1/2024</a:t>
+              <a:t>11/2/2024</a:t>
             </a:fld>
             <a:endParaRPr lang="en-US" dirty="0"/>
           </a:p>
@@ -3046,7 +3054,7 @@
           <a:p>
             <a:fld id="{A23A578B-D289-4C40-8593-3D356C49DA58}" type="datetime1">
               <a:rPr lang="en-US" smtClean="0"/>
-              <a:t>11/1/2024</a:t>
+              <a:t>11/2/2024</a:t>
             </a:fld>
             <a:endParaRPr lang="en-US" dirty="0"/>
           </a:p>
@@ -3365,7 +3373,7 @@
           <a:p>
             <a:fld id="{713DFAE3-14DB-48A7-A80F-80DDB072CE3D}" type="datetime1">
               <a:rPr lang="en-US" smtClean="0"/>
-              <a:t>11/1/2024</a:t>
+              <a:t>11/2/2024</a:t>
             </a:fld>
             <a:endParaRPr lang="en-US" dirty="0"/>
           </a:p>
@@ -3659,7 +3667,7 @@
           <a:p>
             <a:fld id="{92C5EAEF-6478-4102-8F5D-A5FE9FC97ACB}" type="datetime1">
               <a:rPr lang="en-US" smtClean="0"/>
-              <a:t>11/1/2024</a:t>
+              <a:t>11/2/2024</a:t>
             </a:fld>
             <a:endParaRPr lang="en-US" dirty="0"/>
           </a:p>
@@ -3900,7 +3908,7 @@
           <a:p>
             <a:fld id="{67F45AC6-C491-4585-A584-9CE2AF7D5500}" type="datetime1">
               <a:rPr lang="en-US" smtClean="0"/>
-              <a:t>11/1/2024</a:t>
+              <a:t>11/2/2024</a:t>
             </a:fld>
             <a:endParaRPr lang="en-US" dirty="0"/>
           </a:p>
@@ -34273,15 +34281,6 @@
 </file>
 
 <file path=customXml/item1.xml><?xml version="1.0" encoding="utf-8"?>
-<?mso-contentType ?>
-<FormTemplates xmlns="http://schemas.microsoft.com/sharepoint/v3/contenttype/forms">
-  <Display>DocumentLibraryForm</Display>
-  <Edit>DocumentLibraryForm</Edit>
-  <New>DocumentLibraryForm</New>
-</FormTemplates>
-</file>
-
-<file path=customXml/item2.xml><?xml version="1.0" encoding="utf-8"?>
 <ct:contentTypeSchema xmlns:ct="http://schemas.microsoft.com/office/2006/metadata/contentType" xmlns:ma="http://schemas.microsoft.com/office/2006/metadata/properties/metaAttributes" ct:_="" ma:_="" ma:contentTypeName="Dokument" ma:contentTypeID="0x010100F1E5E07130354F4C90B7AEF965F7F7CF" ma:contentTypeVersion="16" ma:contentTypeDescription="Umožňuje vytvoriť nový dokument." ma:contentTypeScope="" ma:versionID="9e31676eadb4c6163cc2bdb453290bee">
   <xsd:schema xmlns:xsd="http://www.w3.org/2001/XMLSchema" xmlns:xs="http://www.w3.org/2001/XMLSchema" xmlns:p="http://schemas.microsoft.com/office/2006/metadata/properties" xmlns:ns3="231c4eac-96b6-4cf2-b251-23b838f7cf09" xmlns:ns4="3c9e0e30-e467-4344-9c23-ea945731e275" targetNamespace="http://schemas.microsoft.com/office/2006/metadata/properties" ma:root="true" ma:fieldsID="a11fbbdd28f19cbff9eff49f54037749" ns3:_="" ns4:_="">
     <xsd:import namespace="231c4eac-96b6-4cf2-b251-23b838f7cf09"/>
@@ -34520,6 +34519,15 @@
 </ct:contentTypeSchema>
 </file>
 
+<file path=customXml/item2.xml><?xml version="1.0" encoding="utf-8"?>
+<?mso-contentType ?>
+<FormTemplates xmlns="http://schemas.microsoft.com/sharepoint/v3/contenttype/forms">
+  <Display>DocumentLibraryForm</Display>
+  <Edit>DocumentLibraryForm</Edit>
+  <New>DocumentLibraryForm</New>
+</FormTemplates>
+</file>
+
 <file path=customXml/item3.xml><?xml version="1.0" encoding="utf-8"?>
 <p:properties xmlns:p="http://schemas.microsoft.com/office/2006/metadata/properties" xmlns:xsi="http://www.w3.org/2001/XMLSchema-instance" xmlns:pc="http://schemas.microsoft.com/office/infopath/2007/PartnerControls">
   <documentManagement>
@@ -34529,14 +34537,6 @@
 </file>
 
 <file path=customXml/itemProps1.xml><?xml version="1.0" encoding="utf-8"?>
-<ds:datastoreItem xmlns:ds="http://schemas.openxmlformats.org/officeDocument/2006/customXml" ds:itemID="{6D246073-CAEC-4C36-8D16-35E55B494596}">
-  <ds:schemaRefs>
-    <ds:schemaRef ds:uri="http://schemas.microsoft.com/sharepoint/v3/contenttype/forms"/>
-  </ds:schemaRefs>
-</ds:datastoreItem>
-</file>
-
-<file path=customXml/itemProps2.xml><?xml version="1.0" encoding="utf-8"?>
 <ds:datastoreItem xmlns:ds="http://schemas.openxmlformats.org/officeDocument/2006/customXml" ds:itemID="{9C2C5ADA-C04A-49B0-BB4B-58CF2286EFA3}">
   <ds:schemaRefs>
     <ds:schemaRef ds:uri="http://schemas.microsoft.com/office/2006/metadata/contentType"/>
@@ -34551,6 +34551,14 @@
     <ds:schemaRef ds:uri="http://purl.org/dc/elements/1.1/"/>
     <ds:schemaRef ds:uri="http://purl.org/dc/terms/"/>
     <ds:schemaRef ds:uri="http://schemas.microsoft.com/internal/obd"/>
+  </ds:schemaRefs>
+</ds:datastoreItem>
+</file>
+
+<file path=customXml/itemProps2.xml><?xml version="1.0" encoding="utf-8"?>
+<ds:datastoreItem xmlns:ds="http://schemas.openxmlformats.org/officeDocument/2006/customXml" ds:itemID="{6D246073-CAEC-4C36-8D16-35E55B494596}">
+  <ds:schemaRefs>
+    <ds:schemaRef ds:uri="http://schemas.microsoft.com/sharepoint/v3/contenttype/forms"/>
   </ds:schemaRefs>
 </ds:datastoreItem>
 </file>
